--- a/01_intro/LVM session 1 20.pptx
+++ b/01_intro/LVM session 1 20.pptx
@@ -246,7 +246,7 @@
           <a:p>
             <a:fld id="{4AC392F7-B2FD-4F12-BEF1-A6CA43868F28}" type="datetimeFigureOut">
               <a:rPr lang="nl-NL" smtClean="0"/>
-              <a:t>03-07-20</a:t>
+              <a:t>06-07-20</a:t>
             </a:fld>
             <a:endParaRPr lang="nl-NL"/>
           </a:p>
@@ -411,7 +411,7 @@
           <a:p>
             <a:fld id="{A3D5429D-9A42-4EDB-BD46-D0A422A7A56A}" type="datetimeFigureOut">
               <a:rPr lang="nl-NL" smtClean="0"/>
-              <a:t>03-07-20</a:t>
+              <a:t>06-07-20</a:t>
             </a:fld>
             <a:endParaRPr lang="nl-NL"/>
           </a:p>
@@ -1874,7 +1874,7 @@
           <a:p>
             <a:fld id="{B03A5334-8E86-408E-A399-410490853928}" type="datetime1">
               <a:rPr lang="nl-NL" smtClean="0"/>
-              <a:t>03-07-20</a:t>
+              <a:t>06-07-20</a:t>
             </a:fld>
             <a:endParaRPr lang="nl-NL"/>
           </a:p>
@@ -2064,7 +2064,7 @@
           <a:p>
             <a:fld id="{42DEE1FE-9AFF-429D-9D1D-6C3BB66AD0F7}" type="datetime1">
               <a:rPr lang="nl-NL" smtClean="0"/>
-              <a:t>03-07-20</a:t>
+              <a:t>06-07-20</a:t>
             </a:fld>
             <a:endParaRPr lang="nl-NL"/>
           </a:p>
@@ -2248,7 +2248,7 @@
           <a:p>
             <a:fld id="{6A3FAA61-3046-442D-8E8D-6492BC60A5F0}" type="datetime1">
               <a:rPr lang="nl-NL" smtClean="0"/>
-              <a:t>03-07-20</a:t>
+              <a:t>06-07-20</a:t>
             </a:fld>
             <a:endParaRPr lang="nl-NL"/>
           </a:p>
@@ -2510,7 +2510,7 @@
           <a:p>
             <a:fld id="{055EE58B-8F6C-43A7-A911-7D8234F55819}" type="datetime1">
               <a:rPr lang="nl-NL" smtClean="0"/>
-              <a:t>03-07-20</a:t>
+              <a:t>06-07-20</a:t>
             </a:fld>
             <a:endParaRPr lang="nl-NL"/>
           </a:p>
@@ -2925,7 +2925,7 @@
           <a:p>
             <a:fld id="{375BE52F-7FA8-44AC-9747-741263BCD65B}" type="datetime1">
               <a:rPr lang="nl-NL" smtClean="0"/>
-              <a:t>03-07-20</a:t>
+              <a:t>06-07-20</a:t>
             </a:fld>
             <a:endParaRPr lang="nl-NL"/>
           </a:p>
@@ -3166,7 +3166,7 @@
           <a:p>
             <a:fld id="{8F8C33D5-4176-4243-A50F-89AB06BF36EC}" type="datetime1">
               <a:rPr lang="nl-NL" smtClean="0"/>
-              <a:t>03-07-20</a:t>
+              <a:t>06-07-20</a:t>
             </a:fld>
             <a:endParaRPr lang="nl-NL"/>
           </a:p>
@@ -3401,7 +3401,7 @@
           <a:p>
             <a:fld id="{22245798-79D4-4830-861D-FA49CA45C3E8}" type="datetime1">
               <a:rPr lang="nl-NL" smtClean="0"/>
-              <a:t>03-07-20</a:t>
+              <a:t>06-07-20</a:t>
             </a:fld>
             <a:endParaRPr lang="nl-NL"/>
           </a:p>
@@ -3595,7 +3595,7 @@
           <a:p>
             <a:fld id="{174EB76F-6730-43C5-87A6-3D7DA7C8DB70}" type="datetime1">
               <a:rPr lang="nl-NL" smtClean="0"/>
-              <a:t>03-07-20</a:t>
+              <a:t>06-07-20</a:t>
             </a:fld>
             <a:endParaRPr lang="nl-NL"/>
           </a:p>
@@ -3693,7 +3693,7 @@
           <a:p>
             <a:fld id="{75182DC2-97F8-44CE-9BE1-5387DAC42622}" type="datetime1">
               <a:rPr lang="nl-NL" smtClean="0"/>
-              <a:t>03-07-20</a:t>
+              <a:t>06-07-20</a:t>
             </a:fld>
             <a:endParaRPr lang="nl-NL"/>
           </a:p>
@@ -3828,7 +3828,7 @@
           <a:p>
             <a:fld id="{D2205445-981F-4A99-8B32-8D36F324D3C0}" type="datetime1">
               <a:rPr lang="nl-NL" smtClean="0"/>
-              <a:t>03-07-20</a:t>
+              <a:t>06-07-20</a:t>
             </a:fld>
             <a:endParaRPr lang="nl-NL"/>
           </a:p>
@@ -4345,7 +4345,7 @@
           <a:p>
             <a:fld id="{3D0D7F33-AA17-4443-9D97-3D4560FCB324}" type="datetime1">
               <a:rPr lang="nl-NL" smtClean="0"/>
-              <a:t>03-07-20</a:t>
+              <a:t>06-07-20</a:t>
             </a:fld>
             <a:endParaRPr lang="nl-NL"/>
           </a:p>
@@ -4604,7 +4604,7 @@
           <a:p>
             <a:fld id="{05402B3B-E493-4206-98BA-2F963B979671}" type="datetime1">
               <a:rPr lang="nl-NL" smtClean="0"/>
-              <a:t>03-07-20</a:t>
+              <a:t>06-07-20</a:t>
             </a:fld>
             <a:endParaRPr lang="nl-NL"/>
           </a:p>
@@ -16024,7 +16024,7 @@
           <a:graphicData uri="http://schemas.openxmlformats.org/presentationml/2006/ole">
             <mc:AlternateContent xmlns:mc="http://schemas.openxmlformats.org/markup-compatibility/2006">
               <mc:Choice xmlns:v="urn:schemas-microsoft-com:vml" Requires="v">
-                <p:oleObj spid="_x0000_s13316" name="Vergelijking" r:id="rId3" imgW="2184120" imgH="685800" progId="Equation.3">
+                <p:oleObj spid="_x0000_s13317" name="Vergelijking" r:id="rId3" imgW="2184120" imgH="685800" progId="Equation.3">
                   <p:embed/>
                 </p:oleObj>
               </mc:Choice>
@@ -16372,8 +16372,8 @@
           </a:p>
         </p:txBody>
       </p:sp>
-      <mc:AlternateContent xmlns:mc="http://schemas.openxmlformats.org/markup-compatibility/2006" xmlns:a14="http://schemas.microsoft.com/office/drawing/2010/main">
-        <mc:Choice Requires="a14">
+      <mc:AlternateContent xmlns:mc="http://schemas.openxmlformats.org/markup-compatibility/2006">
+        <mc:Choice xmlns:a14="http://schemas.microsoft.com/office/drawing/2010/main" Requires="a14">
           <p:sp>
             <p:nvSpPr>
               <p:cNvPr id="3" name="Tijdelijke aanduiding voor inhoud 2"/>
@@ -16392,7 +16392,7 @@
             </p:spPr>
             <p:txBody>
               <a:bodyPr>
-                <a:normAutofit fontScale="92500" lnSpcReduction="10000"/>
+                <a:normAutofit/>
               </a:bodyPr>
               <a:lstStyle/>
               <a:p>
@@ -16544,338 +16544,10 @@
                 </a14:m>
                 <a:endParaRPr lang="nl-NL" b="1" dirty="0"/>
               </a:p>
-              <a:p>
-                <a:pPr lvl="2"/>
-                <a:r>
-                  <a:rPr lang="nl-NL" dirty="0"/>
-                  <a:t>In </a:t>
-                </a:r>
-                <a:r>
-                  <a:rPr lang="nl-NL" dirty="0" err="1"/>
-                  <a:t>addition</a:t>
-                </a:r>
-                <a:r>
-                  <a:rPr lang="nl-NL" dirty="0"/>
-                  <a:t>, we </a:t>
-                </a:r>
-                <a:r>
-                  <a:rPr lang="nl-NL" dirty="0" err="1"/>
-                  <a:t>try</a:t>
-                </a:r>
-                <a:r>
-                  <a:rPr lang="nl-NL" dirty="0"/>
-                  <a:t> to keep the model </a:t>
-                </a:r>
-                <a:r>
-                  <a:rPr lang="nl-NL" dirty="0" err="1"/>
-                  <a:t>parsimoneous</a:t>
-                </a:r>
-                <a:r>
-                  <a:rPr lang="nl-NL" dirty="0"/>
-                  <a:t> </a:t>
-                </a:r>
-                <a:r>
-                  <a:rPr lang="nl-NL" dirty="0" err="1"/>
-                  <a:t>through</a:t>
-                </a:r>
-                <a:r>
-                  <a:rPr lang="nl-NL" dirty="0"/>
-                  <a:t> </a:t>
-                </a:r>
-                <a:r>
-                  <a:rPr lang="nl-NL" dirty="0" err="1"/>
-                  <a:t>applying</a:t>
-                </a:r>
-                <a:r>
-                  <a:rPr lang="nl-NL" dirty="0"/>
-                  <a:t> </a:t>
-                </a:r>
-                <a:r>
-                  <a:rPr lang="nl-NL" dirty="0" err="1"/>
-                  <a:t>restrictions</a:t>
-                </a:r>
-                <a:r>
-                  <a:rPr lang="nl-NL" dirty="0"/>
-                  <a:t> (i.e., </a:t>
-                </a:r>
-                <a:r>
-                  <a:rPr lang="nl-NL" dirty="0" err="1"/>
-                  <a:t>specifying</a:t>
-                </a:r>
-                <a:r>
-                  <a:rPr lang="nl-NL" dirty="0"/>
-                  <a:t> </a:t>
-                </a:r>
-                <a:r>
-                  <a:rPr lang="nl-NL" dirty="0" err="1"/>
-                  <a:t>the</a:t>
-                </a:r>
-                <a:r>
-                  <a:rPr lang="nl-NL" dirty="0"/>
-                  <a:t> model) </a:t>
-                </a:r>
-                <a:r>
-                  <a:rPr lang="nl-NL" dirty="0" err="1"/>
-                  <a:t>so</a:t>
-                </a:r>
-                <a:r>
-                  <a:rPr lang="nl-NL" dirty="0"/>
-                  <a:t> </a:t>
-                </a:r>
-                <a:r>
-                  <a:rPr lang="nl-NL" dirty="0" err="1"/>
-                  <a:t>that</a:t>
-                </a:r>
-                <a:r>
-                  <a:rPr lang="nl-NL" dirty="0"/>
-                  <a:t> </a:t>
-                </a:r>
-                <a:r>
-                  <a:rPr lang="nl-NL" dirty="0" err="1"/>
-                  <a:t>not</a:t>
-                </a:r>
-                <a:r>
-                  <a:rPr lang="nl-NL" dirty="0"/>
-                  <a:t> </a:t>
-                </a:r>
-                <a:r>
-                  <a:rPr lang="nl-NL" dirty="0" err="1"/>
-                  <a:t>all</a:t>
-                </a:r>
-                <a:r>
-                  <a:rPr lang="nl-NL" dirty="0"/>
-                  <a:t> </a:t>
-                </a:r>
-                <a:r>
-                  <a:rPr lang="nl-NL" dirty="0" err="1"/>
-                  <a:t>possible</a:t>
-                </a:r>
-                <a:r>
-                  <a:rPr lang="nl-NL" dirty="0"/>
-                  <a:t> </a:t>
-                </a:r>
-                <a:r>
-                  <a:rPr lang="nl-NL" dirty="0" err="1"/>
-                  <a:t>paths</a:t>
-                </a:r>
-                <a:r>
-                  <a:rPr lang="nl-NL" dirty="0"/>
-                  <a:t> are </a:t>
-                </a:r>
-                <a:r>
-                  <a:rPr lang="nl-NL" dirty="0" err="1"/>
-                  <a:t>estimated</a:t>
-                </a:r>
-                <a:endParaRPr lang="nl-NL" dirty="0"/>
-              </a:p>
-              <a:p>
-                <a:r>
-                  <a:rPr lang="nl-NL" dirty="0"/>
-                  <a:t>These </a:t>
-                </a:r>
-                <a:r>
-                  <a:rPr lang="nl-NL" dirty="0" err="1"/>
-                  <a:t>covariance</a:t>
-                </a:r>
-                <a:r>
-                  <a:rPr lang="nl-NL" dirty="0"/>
-                  <a:t> matrices </a:t>
-                </a:r>
-                <a:r>
-                  <a:rPr lang="nl-NL" dirty="0" err="1"/>
-                  <a:t>contain</a:t>
-                </a:r>
-                <a:r>
-                  <a:rPr lang="nl-NL" dirty="0"/>
-                  <a:t> all (co)</a:t>
-                </a:r>
-                <a:r>
-                  <a:rPr lang="nl-NL" dirty="0" err="1"/>
-                  <a:t>variances</a:t>
-                </a:r>
-                <a:r>
-                  <a:rPr lang="nl-NL" dirty="0"/>
-                  <a:t> of the </a:t>
-                </a:r>
-                <a:r>
-                  <a:rPr lang="nl-NL" dirty="0" err="1"/>
-                  <a:t>observed</a:t>
-                </a:r>
-                <a:r>
-                  <a:rPr lang="nl-NL" dirty="0"/>
-                  <a:t> variables in </a:t>
-                </a:r>
-                <a:r>
-                  <a:rPr lang="nl-NL" dirty="0" err="1"/>
-                  <a:t>the</a:t>
-                </a:r>
-                <a:r>
-                  <a:rPr lang="nl-NL" dirty="0"/>
-                  <a:t> model. </a:t>
-                </a:r>
-                <a:r>
-                  <a:rPr lang="nl-NL" dirty="0" err="1"/>
-                  <a:t>Note</a:t>
-                </a:r>
-                <a:r>
-                  <a:rPr lang="nl-NL" dirty="0"/>
-                  <a:t> </a:t>
-                </a:r>
-                <a:r>
-                  <a:rPr lang="nl-NL" dirty="0" err="1"/>
-                  <a:t>that</a:t>
-                </a:r>
-                <a:r>
-                  <a:rPr lang="nl-NL" dirty="0"/>
-                  <a:t>:</a:t>
-                </a:r>
-              </a:p>
-              <a:p>
-                <a:pPr lvl="1"/>
-                <a:r>
-                  <a:rPr lang="nl-NL" dirty="0" err="1"/>
-                  <a:t>Covariance</a:t>
-                </a:r>
-                <a:r>
-                  <a:rPr lang="nl-NL" dirty="0"/>
-                  <a:t> matrices are </a:t>
-                </a:r>
-                <a:r>
-                  <a:rPr lang="nl-NL" dirty="0" err="1"/>
-                  <a:t>always</a:t>
-                </a:r>
-                <a:r>
-                  <a:rPr lang="nl-NL" dirty="0"/>
-                  <a:t> </a:t>
-                </a:r>
-                <a:r>
-                  <a:rPr lang="nl-NL" dirty="0" err="1"/>
-                  <a:t>symmetric</a:t>
-                </a:r>
-                <a:r>
-                  <a:rPr lang="nl-NL" dirty="0"/>
-                  <a:t>, </a:t>
-                </a:r>
-                <a:r>
-                  <a:rPr lang="nl-NL" dirty="0" err="1"/>
-                  <a:t>because</a:t>
-                </a:r>
-                <a:r>
-                  <a:rPr lang="nl-NL" dirty="0"/>
-                  <a:t> </a:t>
-                </a:r>
-                <a:r>
-                  <a:rPr lang="nl-NL" dirty="0" err="1"/>
-                  <a:t>cov</a:t>
-                </a:r>
-                <a:r>
-                  <a:rPr lang="nl-NL" dirty="0"/>
-                  <a:t>(</a:t>
-                </a:r>
-                <a:r>
-                  <a:rPr lang="nl-NL" dirty="0" err="1"/>
-                  <a:t>x,y</a:t>
-                </a:r>
-                <a:r>
-                  <a:rPr lang="nl-NL" dirty="0"/>
-                  <a:t>)=</a:t>
-                </a:r>
-                <a:r>
-                  <a:rPr lang="nl-NL" dirty="0" err="1"/>
-                  <a:t>cov</a:t>
-                </a:r>
-                <a:r>
-                  <a:rPr lang="nl-NL" dirty="0"/>
-                  <a:t>(</a:t>
-                </a:r>
-                <a:r>
-                  <a:rPr lang="nl-NL" dirty="0" err="1"/>
-                  <a:t>y,x</a:t>
-                </a:r>
-                <a:r>
-                  <a:rPr lang="nl-NL" dirty="0"/>
-                  <a:t>)</a:t>
-                </a:r>
-              </a:p>
-              <a:p>
-                <a:pPr lvl="1"/>
-                <a:r>
-                  <a:rPr lang="nl-NL" dirty="0" err="1"/>
-                  <a:t>Covariance</a:t>
-                </a:r>
-                <a:r>
-                  <a:rPr lang="nl-NL" dirty="0"/>
-                  <a:t> matrices have </a:t>
-                </a:r>
-                <a:r>
-                  <a:rPr lang="nl-NL" dirty="0" err="1"/>
-                  <a:t>the</a:t>
-                </a:r>
-                <a:r>
-                  <a:rPr lang="nl-NL" dirty="0"/>
-                  <a:t> </a:t>
-                </a:r>
-                <a:r>
-                  <a:rPr lang="nl-NL" dirty="0" err="1"/>
-                  <a:t>variance</a:t>
-                </a:r>
-                <a:r>
-                  <a:rPr lang="nl-NL" dirty="0"/>
-                  <a:t> of </a:t>
-                </a:r>
-                <a:r>
-                  <a:rPr lang="nl-NL" dirty="0" err="1"/>
-                  <a:t>the</a:t>
-                </a:r>
-                <a:r>
-                  <a:rPr lang="nl-NL" dirty="0"/>
-                  <a:t> </a:t>
-                </a:r>
-                <a:r>
-                  <a:rPr lang="nl-NL" dirty="0" err="1"/>
-                  <a:t>observed</a:t>
-                </a:r>
-                <a:r>
-                  <a:rPr lang="nl-NL" dirty="0"/>
-                  <a:t> variables on </a:t>
-                </a:r>
-                <a:r>
-                  <a:rPr lang="nl-NL" dirty="0" err="1"/>
-                  <a:t>the</a:t>
-                </a:r>
-                <a:r>
-                  <a:rPr lang="nl-NL" dirty="0"/>
-                  <a:t> </a:t>
-                </a:r>
-                <a:r>
-                  <a:rPr lang="nl-NL" dirty="0" err="1"/>
-                  <a:t>diagonal</a:t>
-                </a:r>
-                <a:r>
-                  <a:rPr lang="nl-NL" dirty="0"/>
-                  <a:t>. I.e., </a:t>
-                </a:r>
-                <a:r>
-                  <a:rPr lang="nl-NL" dirty="0" err="1"/>
-                  <a:t>cov</a:t>
-                </a:r>
-                <a:r>
-                  <a:rPr lang="nl-NL" dirty="0"/>
-                  <a:t>(</a:t>
-                </a:r>
-                <a:r>
-                  <a:rPr lang="nl-NL" dirty="0" err="1"/>
-                  <a:t>x,x</a:t>
-                </a:r>
-                <a:r>
-                  <a:rPr lang="nl-NL" dirty="0"/>
-                  <a:t>) = var(x)</a:t>
-                </a:r>
-              </a:p>
             </p:txBody>
           </p:sp>
         </mc:Choice>
-        <mc:Fallback xmlns="">
+        <mc:Fallback>
           <p:sp>
             <p:nvSpPr>
               <p:cNvPr id="3" name="Tijdelijke aanduiding voor inhoud 2"/>
@@ -16891,10 +16563,10 @@
                 <a:off x="612648" y="1600200"/>
                 <a:ext cx="8153400" cy="5069160"/>
               </a:xfrm>
-              <a:blipFill rotWithShape="1">
+              <a:blipFill>
                 <a:blip r:embed="rId2"/>
                 <a:stretch>
-                  <a:fillRect l="-374" t="-1925"/>
+                  <a:fillRect l="-467" t="-1250"/>
                 </a:stretch>
               </a:blipFill>
             </p:spPr>
@@ -16903,7 +16575,7 @@
               <a:lstStyle/>
               <a:p>
                 <a:r>
-                  <a:rPr lang="nl-NL">
+                  <a:rPr lang="en-NL">
                     <a:noFill/>
                   </a:rPr>
                   <a:t> </a:t>
@@ -17047,166 +16719,6 @@
                                           <p:spTgt spid="3">
                                             <p:txEl>
                                               <p:pRg st="2" end="2"/>
-                                            </p:txEl>
-                                          </p:spTgt>
-                                        </p:tgtEl>
-                                        <p:attrNameLst>
-                                          <p:attrName>style.visibility</p:attrName>
-                                        </p:attrNameLst>
-                                      </p:cBhvr>
-                                      <p:to>
-                                        <p:strVal val="visible"/>
-                                      </p:to>
-                                    </p:set>
-                                  </p:childTnLst>
-                                </p:cTn>
-                              </p:par>
-                            </p:childTnLst>
-                          </p:cTn>
-                        </p:par>
-                      </p:childTnLst>
-                    </p:cTn>
-                  </p:par>
-                  <p:par>
-                    <p:cTn id="11" fill="hold">
-                      <p:stCondLst>
-                        <p:cond delay="indefinite"/>
-                      </p:stCondLst>
-                      <p:childTnLst>
-                        <p:par>
-                          <p:cTn id="12" fill="hold">
-                            <p:stCondLst>
-                              <p:cond delay="0"/>
-                            </p:stCondLst>
-                            <p:childTnLst>
-                              <p:par>
-                                <p:cTn id="13" presetID="1" presetClass="entr" presetSubtype="0" fill="hold" grpId="0" nodeType="clickEffect">
-                                  <p:stCondLst>
-                                    <p:cond delay="0"/>
-                                  </p:stCondLst>
-                                  <p:childTnLst>
-                                    <p:set>
-                                      <p:cBhvr>
-                                        <p:cTn id="14" dur="1" fill="hold">
-                                          <p:stCondLst>
-                                            <p:cond delay="0"/>
-                                          </p:stCondLst>
-                                        </p:cTn>
-                                        <p:tgtEl>
-                                          <p:spTgt spid="3">
-                                            <p:txEl>
-                                              <p:pRg st="3" end="3"/>
-                                            </p:txEl>
-                                          </p:spTgt>
-                                        </p:tgtEl>
-                                        <p:attrNameLst>
-                                          <p:attrName>style.visibility</p:attrName>
-                                        </p:attrNameLst>
-                                      </p:cBhvr>
-                                      <p:to>
-                                        <p:strVal val="visible"/>
-                                      </p:to>
-                                    </p:set>
-                                  </p:childTnLst>
-                                </p:cTn>
-                              </p:par>
-                            </p:childTnLst>
-                          </p:cTn>
-                        </p:par>
-                      </p:childTnLst>
-                    </p:cTn>
-                  </p:par>
-                  <p:par>
-                    <p:cTn id="15" fill="hold">
-                      <p:stCondLst>
-                        <p:cond delay="indefinite"/>
-                      </p:stCondLst>
-                      <p:childTnLst>
-                        <p:par>
-                          <p:cTn id="16" fill="hold">
-                            <p:stCondLst>
-                              <p:cond delay="0"/>
-                            </p:stCondLst>
-                            <p:childTnLst>
-                              <p:par>
-                                <p:cTn id="17" presetID="1" presetClass="entr" presetSubtype="0" fill="hold" grpId="0" nodeType="clickEffect">
-                                  <p:stCondLst>
-                                    <p:cond delay="0"/>
-                                  </p:stCondLst>
-                                  <p:childTnLst>
-                                    <p:set>
-                                      <p:cBhvr>
-                                        <p:cTn id="18" dur="1" fill="hold">
-                                          <p:stCondLst>
-                                            <p:cond delay="0"/>
-                                          </p:stCondLst>
-                                        </p:cTn>
-                                        <p:tgtEl>
-                                          <p:spTgt spid="3">
-                                            <p:txEl>
-                                              <p:pRg st="4" end="4"/>
-                                            </p:txEl>
-                                          </p:spTgt>
-                                        </p:tgtEl>
-                                        <p:attrNameLst>
-                                          <p:attrName>style.visibility</p:attrName>
-                                        </p:attrNameLst>
-                                      </p:cBhvr>
-                                      <p:to>
-                                        <p:strVal val="visible"/>
-                                      </p:to>
-                                    </p:set>
-                                  </p:childTnLst>
-                                </p:cTn>
-                              </p:par>
-                              <p:par>
-                                <p:cTn id="19" presetID="1" presetClass="entr" presetSubtype="0" fill="hold" grpId="0" nodeType="withEffect">
-                                  <p:stCondLst>
-                                    <p:cond delay="0"/>
-                                  </p:stCondLst>
-                                  <p:childTnLst>
-                                    <p:set>
-                                      <p:cBhvr>
-                                        <p:cTn id="20" dur="1" fill="hold">
-                                          <p:stCondLst>
-                                            <p:cond delay="0"/>
-                                          </p:stCondLst>
-                                        </p:cTn>
-                                        <p:tgtEl>
-                                          <p:spTgt spid="3">
-                                            <p:txEl>
-                                              <p:pRg st="5" end="5"/>
-                                            </p:txEl>
-                                          </p:spTgt>
-                                        </p:tgtEl>
-                                        <p:attrNameLst>
-                                          <p:attrName>style.visibility</p:attrName>
-                                        </p:attrNameLst>
-                                      </p:cBhvr>
-                                      <p:to>
-                                        <p:strVal val="visible"/>
-                                      </p:to>
-                                    </p:set>
-                                  </p:childTnLst>
-                                </p:cTn>
-                              </p:par>
-                              <p:par>
-                                <p:cTn id="21" presetID="1" presetClass="entr" presetSubtype="0" fill="hold" grpId="0" nodeType="withEffect">
-                                  <p:stCondLst>
-                                    <p:cond delay="0"/>
-                                  </p:stCondLst>
-                                  <p:childTnLst>
-                                    <p:set>
-                                      <p:cBhvr>
-                                        <p:cTn id="22" dur="1" fill="hold">
-                                          <p:stCondLst>
-                                            <p:cond delay="0"/>
-                                          </p:stCondLst>
-                                        </p:cTn>
-                                        <p:tgtEl>
-                                          <p:spTgt spid="3">
-                                            <p:txEl>
-                                              <p:pRg st="6" end="6"/>
                                             </p:txEl>
                                           </p:spTgt>
                                         </p:tgtEl>
@@ -18806,7 +18318,7 @@
           <a:graphicData uri="http://schemas.openxmlformats.org/presentationml/2006/ole">
             <mc:AlternateContent xmlns:mc="http://schemas.openxmlformats.org/markup-compatibility/2006">
               <mc:Choice xmlns:v="urn:schemas-microsoft-com:vml" Requires="v">
-                <p:oleObj spid="_x0000_s15364" name="Vergelijking" r:id="rId3" imgW="114120" imgH="215640" progId="Equation.3">
+                <p:oleObj spid="_x0000_s15365" name="Vergelijking" r:id="rId3" imgW="114120" imgH="215640" progId="Equation.3">
                   <p:embed/>
                 </p:oleObj>
               </mc:Choice>
@@ -19404,7 +18916,7 @@
           <a:graphicData uri="http://schemas.openxmlformats.org/presentationml/2006/ole">
             <mc:AlternateContent xmlns:mc="http://schemas.openxmlformats.org/markup-compatibility/2006">
               <mc:Choice xmlns:v="urn:schemas-microsoft-com:vml" Requires="v">
-                <p:oleObj spid="_x0000_s16388" name="Vergelijking" r:id="rId5" imgW="114120" imgH="215640" progId="Equation.3">
+                <p:oleObj spid="_x0000_s16389" name="Vergelijking" r:id="rId5" imgW="114120" imgH="215640" progId="Equation.3">
                   <p:embed/>
                 </p:oleObj>
               </mc:Choice>
@@ -20272,7 +19784,7 @@
           <a:graphicData uri="http://schemas.openxmlformats.org/presentationml/2006/ole">
             <mc:AlternateContent xmlns:mc="http://schemas.openxmlformats.org/markup-compatibility/2006">
               <mc:Choice xmlns:v="urn:schemas-microsoft-com:vml" Requires="v">
-                <p:oleObj spid="_x0000_s17415" name="Vergelijking" r:id="rId3" imgW="2095200" imgH="266400" progId="Equation.3">
+                <p:oleObj spid="_x0000_s17417" name="Vergelijking" r:id="rId3" imgW="2095200" imgH="266400" progId="Equation.3">
                   <p:embed/>
                 </p:oleObj>
               </mc:Choice>
@@ -20342,7 +19854,7 @@
           <a:graphicData uri="http://schemas.openxmlformats.org/presentationml/2006/ole">
             <mc:AlternateContent xmlns:mc="http://schemas.openxmlformats.org/markup-compatibility/2006">
               <mc:Choice xmlns:v="urn:schemas-microsoft-com:vml" Requires="v">
-                <p:oleObj spid="_x0000_s17416" name="Vergelijking" r:id="rId5" imgW="1511280" imgH="266400" progId="Equation.3">
+                <p:oleObj spid="_x0000_s17418" name="Vergelijking" r:id="rId5" imgW="1511280" imgH="266400" progId="Equation.3">
                   <p:embed/>
                 </p:oleObj>
               </mc:Choice>
@@ -20762,8 +20274,8 @@
           </a:p>
         </p:txBody>
       </p:sp>
-      <mc:AlternateContent xmlns:mc="http://schemas.openxmlformats.org/markup-compatibility/2006">
-        <mc:Choice xmlns:a14="http://schemas.microsoft.com/office/drawing/2010/main" Requires="a14">
+      <mc:AlternateContent xmlns:mc="http://schemas.openxmlformats.org/markup-compatibility/2006" xmlns:a14="http://schemas.microsoft.com/office/drawing/2010/main">
+        <mc:Choice Requires="a14">
           <p:sp>
             <p:nvSpPr>
               <p:cNvPr id="9" name="Tijdelijke aanduiding voor inhoud 2"/>
@@ -21147,7 +20659,7 @@
             </p:txBody>
           </p:sp>
         </mc:Choice>
-        <mc:Fallback>
+        <mc:Fallback xmlns="">
           <p:sp>
             <p:nvSpPr>
               <p:cNvPr id="9" name="Tijdelijke aanduiding voor inhoud 2"/>
